--- a/WebSharper.pptx
+++ b/WebSharper.pptx
@@ -659,19 +659,7 @@
                 <a:ea typeface="+mn-ea"/>
                 <a:cs typeface="+mn-cs"/>
               </a:rPr>
-              <a:t>Execution happens by serializing arguments and return value and passing them over HTTP. Not all types are supported, WebSharper will warn you about potential problems at compile time</a:t>
-            </a:r>
-            <a:r>
-              <a:rPr lang="en-IE" sz="1200" b="0" i="0" kern="1200" dirty="0" smtClean="0">
-                <a:solidFill>
-                  <a:schemeClr val="tx1"/>
-                </a:solidFill>
-                <a:effectLst/>
-                <a:latin typeface="+mn-lt"/>
-                <a:ea typeface="+mn-ea"/>
-                <a:cs typeface="+mn-cs"/>
-              </a:rPr>
-              <a:t>.</a:t>
+              <a:t>Execution happens by serializing arguments and return value and passing them over HTTP. Not all types are supported, WebSharper will warn you about potential problems at compile time.</a:t>
             </a:r>
           </a:p>
           <a:p>
@@ -6947,6 +6935,10 @@
           <a:bodyPr/>
           <a:lstStyle/>
           <a:p>
+            <a:r>
+              <a:rPr lang="en-IE" dirty="0" smtClean="0"/>
+              <a:t>F# template downloadable from visual studio solutions (mvc 4)</a:t>
+            </a:r>
             <a:endParaRPr lang="en-IE" dirty="0"/>
           </a:p>
         </p:txBody>

--- a/WebSharper.pptx
+++ b/WebSharper.pptx
@@ -709,6 +709,257 @@
     <p:extLst>
       <p:ext uri="{BB962C8B-B14F-4D97-AF65-F5344CB8AC3E}">
         <p14:creationId xmlns:p14="http://schemas.microsoft.com/office/powerpoint/2010/main" val="2999158688"/>
+      </p:ext>
+    </p:extLst>
+  </p:cSld>
+  <p:clrMapOvr>
+    <a:masterClrMapping/>
+  </p:clrMapOvr>
+</p:notes>
+</file>
+
+<file path=ppt/notesSlides/notesSlide3.xml><?xml version="1.0" encoding="utf-8"?>
+<p:notes xmlns:a="http://schemas.openxmlformats.org/drawingml/2006/main" xmlns:r="http://schemas.openxmlformats.org/officeDocument/2006/relationships" xmlns:p="http://schemas.openxmlformats.org/presentationml/2006/main">
+  <p:cSld>
+    <p:spTree>
+      <p:nvGrpSpPr>
+        <p:cNvPr id="1" name=""/>
+        <p:cNvGrpSpPr/>
+        <p:nvPr/>
+      </p:nvGrpSpPr>
+      <p:grpSpPr>
+        <a:xfrm>
+          <a:off x="0" y="0"/>
+          <a:ext cx="0" cy="0"/>
+          <a:chOff x="0" y="0"/>
+          <a:chExt cx="0" cy="0"/>
+        </a:xfrm>
+      </p:grpSpPr>
+      <p:sp>
+        <p:nvSpPr>
+          <p:cNvPr id="2" name="Slide Image Placeholder 1"/>
+          <p:cNvSpPr>
+            <a:spLocks noGrp="1" noRot="1" noChangeAspect="1"/>
+          </p:cNvSpPr>
+          <p:nvPr>
+            <p:ph type="sldImg"/>
+          </p:nvPr>
+        </p:nvSpPr>
+        <p:spPr/>
+      </p:sp>
+      <p:sp>
+        <p:nvSpPr>
+          <p:cNvPr id="3" name="Notes Placeholder 2"/>
+          <p:cNvSpPr>
+            <a:spLocks noGrp="1"/>
+          </p:cNvSpPr>
+          <p:nvPr>
+            <p:ph type="body" idx="1"/>
+          </p:nvPr>
+        </p:nvSpPr>
+        <p:spPr/>
+        <p:txBody>
+          <a:bodyPr/>
+          <a:lstStyle/>
+          <a:p>
+            <a:r>
+              <a:rPr lang="en-IE" sz="1200" b="1" i="0" kern="1200" dirty="0" smtClean="0">
+                <a:solidFill>
+                  <a:schemeClr val="tx1"/>
+                </a:solidFill>
+                <a:effectLst/>
+                <a:latin typeface="+mn-lt"/>
+                <a:ea typeface="+mn-ea"/>
+                <a:cs typeface="+mn-cs"/>
+              </a:rPr>
+              <a:t>The Model</a:t>
+            </a:r>
+            <a:r>
+              <a:rPr lang="en-IE" sz="1200" b="0" i="0" kern="1200" dirty="0" smtClean="0">
+                <a:solidFill>
+                  <a:schemeClr val="tx1"/>
+                </a:solidFill>
+                <a:effectLst/>
+                <a:latin typeface="+mn-lt"/>
+                <a:ea typeface="+mn-ea"/>
+                <a:cs typeface="+mn-cs"/>
+              </a:rPr>
+              <a:t> is the part of the application that handles the logic for the application data.</a:t>
+            </a:r>
+            <a:br>
+              <a:rPr lang="en-IE" sz="1200" b="0" i="0" kern="1200" dirty="0" smtClean="0">
+                <a:solidFill>
+                  <a:schemeClr val="tx1"/>
+                </a:solidFill>
+                <a:effectLst/>
+                <a:latin typeface="+mn-lt"/>
+                <a:ea typeface="+mn-ea"/>
+                <a:cs typeface="+mn-cs"/>
+              </a:rPr>
+            </a:br>
+            <a:r>
+              <a:rPr lang="en-IE" sz="1200" b="0" i="0" kern="1200" dirty="0" smtClean="0">
+                <a:solidFill>
+                  <a:schemeClr val="tx1"/>
+                </a:solidFill>
+                <a:effectLst/>
+                <a:latin typeface="+mn-lt"/>
+                <a:ea typeface="+mn-ea"/>
+                <a:cs typeface="+mn-cs"/>
+              </a:rPr>
+              <a:t>Often model objects retrieve data (and store data) from a database.</a:t>
+            </a:r>
+          </a:p>
+          <a:p>
+            <a:r>
+              <a:rPr lang="en-IE" sz="1200" b="1" i="0" kern="1200" dirty="0" smtClean="0">
+                <a:solidFill>
+                  <a:schemeClr val="tx1"/>
+                </a:solidFill>
+                <a:effectLst/>
+                <a:latin typeface="+mn-lt"/>
+                <a:ea typeface="+mn-ea"/>
+                <a:cs typeface="+mn-cs"/>
+              </a:rPr>
+              <a:t>The View</a:t>
+            </a:r>
+            <a:r>
+              <a:rPr lang="en-IE" sz="1200" b="0" i="0" kern="1200" dirty="0" smtClean="0">
+                <a:solidFill>
+                  <a:schemeClr val="tx1"/>
+                </a:solidFill>
+                <a:effectLst/>
+                <a:latin typeface="+mn-lt"/>
+                <a:ea typeface="+mn-ea"/>
+                <a:cs typeface="+mn-cs"/>
+              </a:rPr>
+              <a:t> is the parts of the application that handles the display of the data.</a:t>
+            </a:r>
+            <a:br>
+              <a:rPr lang="en-IE" sz="1200" b="0" i="0" kern="1200" dirty="0" smtClean="0">
+                <a:solidFill>
+                  <a:schemeClr val="tx1"/>
+                </a:solidFill>
+                <a:effectLst/>
+                <a:latin typeface="+mn-lt"/>
+                <a:ea typeface="+mn-ea"/>
+                <a:cs typeface="+mn-cs"/>
+              </a:rPr>
+            </a:br>
+            <a:r>
+              <a:rPr lang="en-IE" sz="1200" b="0" i="0" kern="1200" dirty="0" smtClean="0">
+                <a:solidFill>
+                  <a:schemeClr val="tx1"/>
+                </a:solidFill>
+                <a:effectLst/>
+                <a:latin typeface="+mn-lt"/>
+                <a:ea typeface="+mn-ea"/>
+                <a:cs typeface="+mn-cs"/>
+              </a:rPr>
+              <a:t>Most often the views are created from the model data.</a:t>
+            </a:r>
+          </a:p>
+          <a:p>
+            <a:r>
+              <a:rPr lang="en-IE" sz="1200" b="1" i="0" kern="1200" dirty="0" smtClean="0">
+                <a:solidFill>
+                  <a:schemeClr val="tx1"/>
+                </a:solidFill>
+                <a:effectLst/>
+                <a:latin typeface="+mn-lt"/>
+                <a:ea typeface="+mn-ea"/>
+                <a:cs typeface="+mn-cs"/>
+              </a:rPr>
+              <a:t>The Controller</a:t>
+            </a:r>
+            <a:r>
+              <a:rPr lang="en-IE" sz="1200" b="0" i="0" kern="1200" dirty="0" smtClean="0">
+                <a:solidFill>
+                  <a:schemeClr val="tx1"/>
+                </a:solidFill>
+                <a:effectLst/>
+                <a:latin typeface="+mn-lt"/>
+                <a:ea typeface="+mn-ea"/>
+                <a:cs typeface="+mn-cs"/>
+              </a:rPr>
+              <a:t> is the part of the application that handles user interaction.</a:t>
+            </a:r>
+            <a:br>
+              <a:rPr lang="en-IE" sz="1200" b="0" i="0" kern="1200" dirty="0" smtClean="0">
+                <a:solidFill>
+                  <a:schemeClr val="tx1"/>
+                </a:solidFill>
+                <a:effectLst/>
+                <a:latin typeface="+mn-lt"/>
+                <a:ea typeface="+mn-ea"/>
+                <a:cs typeface="+mn-cs"/>
+              </a:rPr>
+            </a:br>
+            <a:r>
+              <a:rPr lang="en-IE" sz="1200" b="0" i="0" kern="1200" dirty="0" smtClean="0">
+                <a:solidFill>
+                  <a:schemeClr val="tx1"/>
+                </a:solidFill>
+                <a:effectLst/>
+                <a:latin typeface="+mn-lt"/>
+                <a:ea typeface="+mn-ea"/>
+                <a:cs typeface="+mn-cs"/>
+              </a:rPr>
+              <a:t>Typically controllers read data from a view, control user input, and send input data to the model.</a:t>
+            </a:r>
+          </a:p>
+          <a:p>
+            <a:r>
+              <a:rPr lang="en-IE" sz="1200" b="0" i="0" kern="1200" dirty="0" smtClean="0">
+                <a:solidFill>
+                  <a:schemeClr val="tx1"/>
+                </a:solidFill>
+                <a:effectLst/>
+                <a:latin typeface="+mn-lt"/>
+                <a:ea typeface="+mn-ea"/>
+                <a:cs typeface="+mn-cs"/>
+              </a:rPr>
+              <a:t>The MVC separation helps you manage complex applications, because you can focus on one aspect a time. For example, you can focus on the view without depending on the business logic. It also makes it easier to test an application.</a:t>
+            </a:r>
+            <a:endParaRPr lang="en-IE" sz="1200" b="0" i="0" kern="1200" dirty="0">
+              <a:solidFill>
+                <a:schemeClr val="tx1"/>
+              </a:solidFill>
+              <a:effectLst/>
+              <a:latin typeface="+mn-lt"/>
+              <a:ea typeface="+mn-ea"/>
+              <a:cs typeface="+mn-cs"/>
+            </a:endParaRPr>
+          </a:p>
+        </p:txBody>
+      </p:sp>
+      <p:sp>
+        <p:nvSpPr>
+          <p:cNvPr id="4" name="Slide Number Placeholder 3"/>
+          <p:cNvSpPr>
+            <a:spLocks noGrp="1"/>
+          </p:cNvSpPr>
+          <p:nvPr>
+            <p:ph type="sldNum" sz="quarter" idx="10"/>
+          </p:nvPr>
+        </p:nvSpPr>
+        <p:spPr/>
+        <p:txBody>
+          <a:bodyPr/>
+          <a:lstStyle/>
+          <a:p>
+            <a:fld id="{2022762F-C6F4-4633-8DB5-2AFB51886017}" type="slidenum">
+              <a:rPr lang="en-IE" smtClean="0"/>
+              <a:t>11</a:t>
+            </a:fld>
+            <a:endParaRPr lang="en-IE"/>
+          </a:p>
+        </p:txBody>
+      </p:sp>
+    </p:spTree>
+    <p:extLst>
+      <p:ext uri="{BB962C8B-B14F-4D97-AF65-F5344CB8AC3E}">
+        <p14:creationId xmlns:p14="http://schemas.microsoft.com/office/powerpoint/2010/main" val="1086201529"/>
       </p:ext>
     </p:extLst>
   </p:cSld>
@@ -6932,7 +7183,9 @@
         </p:nvSpPr>
         <p:spPr/>
         <p:txBody>
-          <a:bodyPr/>
+          <a:bodyPr>
+            <a:normAutofit/>
+          </a:bodyPr>
           <a:lstStyle/>
           <a:p>
             <a:r>
@@ -6943,6 +7196,36 @@
           </a:p>
         </p:txBody>
       </p:sp>
+      <p:pic>
+        <p:nvPicPr>
+          <p:cNvPr id="4" name="Picture 3"/>
+          <p:cNvPicPr>
+            <a:picLocks noChangeAspect="1"/>
+          </p:cNvPicPr>
+          <p:nvPr/>
+        </p:nvPicPr>
+        <p:blipFill>
+          <a:blip r:embed="rId3">
+            <a:extLst>
+              <a:ext uri="{28A0092B-C50C-407E-A947-70E740481C1C}">
+                <a14:useLocalDpi xmlns:a14="http://schemas.microsoft.com/office/drawing/2010/main" val="0"/>
+              </a:ext>
+            </a:extLst>
+          </a:blip>
+          <a:stretch>
+            <a:fillRect/>
+          </a:stretch>
+        </p:blipFill>
+        <p:spPr>
+          <a:xfrm>
+            <a:off x="8225211" y="1939891"/>
+            <a:ext cx="3000794" cy="3313244"/>
+          </a:xfrm>
+          <a:prstGeom prst="rect">
+            <a:avLst/>
+          </a:prstGeom>
+        </p:spPr>
+      </p:pic>
     </p:spTree>
     <p:extLst>
       <p:ext uri="{BB962C8B-B14F-4D97-AF65-F5344CB8AC3E}">

--- a/WebSharper.pptx
+++ b/WebSharper.pptx
@@ -5,7 +5,7 @@
     <p:sldMasterId id="2147483648" r:id="rId1"/>
   </p:sldMasterIdLst>
   <p:notesMasterIdLst>
-    <p:notesMasterId r:id="rId13"/>
+    <p:notesMasterId r:id="rId15"/>
   </p:notesMasterIdLst>
   <p:sldIdLst>
     <p:sldId id="256" r:id="rId2"/>
@@ -19,6 +19,8 @@
     <p:sldId id="264" r:id="rId10"/>
     <p:sldId id="265" r:id="rId11"/>
     <p:sldId id="266" r:id="rId12"/>
+    <p:sldId id="267" r:id="rId13"/>
+    <p:sldId id="268" r:id="rId14"/>
   </p:sldIdLst>
   <p:sldSz cx="12192000" cy="6858000"/>
   <p:notesSz cx="6858000" cy="9144000"/>
@@ -960,6 +962,197 @@
     <p:extLst>
       <p:ext uri="{BB962C8B-B14F-4D97-AF65-F5344CB8AC3E}">
         <p14:creationId xmlns:p14="http://schemas.microsoft.com/office/powerpoint/2010/main" val="1086201529"/>
+      </p:ext>
+    </p:extLst>
+  </p:cSld>
+  <p:clrMapOvr>
+    <a:masterClrMapping/>
+  </p:clrMapOvr>
+</p:notes>
+</file>
+
+<file path=ppt/notesSlides/notesSlide4.xml><?xml version="1.0" encoding="utf-8"?>
+<p:notes xmlns:a="http://schemas.openxmlformats.org/drawingml/2006/main" xmlns:r="http://schemas.openxmlformats.org/officeDocument/2006/relationships" xmlns:p="http://schemas.openxmlformats.org/presentationml/2006/main">
+  <p:cSld>
+    <p:spTree>
+      <p:nvGrpSpPr>
+        <p:cNvPr id="1" name=""/>
+        <p:cNvGrpSpPr/>
+        <p:nvPr/>
+      </p:nvGrpSpPr>
+      <p:grpSpPr>
+        <a:xfrm>
+          <a:off x="0" y="0"/>
+          <a:ext cx="0" cy="0"/>
+          <a:chOff x="0" y="0"/>
+          <a:chExt cx="0" cy="0"/>
+        </a:xfrm>
+      </p:grpSpPr>
+      <p:sp>
+        <p:nvSpPr>
+          <p:cNvPr id="2" name="Slide Image Placeholder 1"/>
+          <p:cNvSpPr>
+            <a:spLocks noGrp="1" noRot="1" noChangeAspect="1"/>
+          </p:cNvSpPr>
+          <p:nvPr>
+            <p:ph type="sldImg"/>
+          </p:nvPr>
+        </p:nvSpPr>
+        <p:spPr/>
+      </p:sp>
+      <p:sp>
+        <p:nvSpPr>
+          <p:cNvPr id="3" name="Notes Placeholder 2"/>
+          <p:cNvSpPr>
+            <a:spLocks noGrp="1"/>
+          </p:cNvSpPr>
+          <p:nvPr>
+            <p:ph type="body" idx="1"/>
+          </p:nvPr>
+        </p:nvSpPr>
+        <p:spPr/>
+        <p:txBody>
+          <a:bodyPr/>
+          <a:lstStyle/>
+          <a:p>
+            <a:r>
+              <a:rPr lang="en-IE" sz="1200" b="0" i="0" kern="1200" dirty="0" smtClean="0">
+                <a:solidFill>
+                  <a:schemeClr val="tx1"/>
+                </a:solidFill>
+                <a:effectLst/>
+                <a:latin typeface="+mn-lt"/>
+                <a:ea typeface="+mn-ea"/>
+                <a:cs typeface="+mn-cs"/>
+              </a:rPr>
+              <a:t>Controllers must end in Controller</a:t>
+            </a:r>
+          </a:p>
+          <a:p>
+            <a:r>
+              <a:rPr lang="en-IE" sz="1200" b="0" i="0" kern="1200" dirty="0" err="1" smtClean="0">
+                <a:solidFill>
+                  <a:schemeClr val="tx1"/>
+                </a:solidFill>
+                <a:effectLst/>
+                <a:latin typeface="+mn-lt"/>
+                <a:ea typeface="+mn-ea"/>
+                <a:cs typeface="+mn-cs"/>
+              </a:rPr>
+              <a:t>CLIMutable</a:t>
+            </a:r>
+            <a:r>
+              <a:rPr lang="en-IE" sz="1200" b="0" i="0" kern="1200" dirty="0" smtClean="0">
+                <a:solidFill>
+                  <a:schemeClr val="tx1"/>
+                </a:solidFill>
+                <a:effectLst/>
+                <a:latin typeface="+mn-lt"/>
+                <a:ea typeface="+mn-ea"/>
+                <a:cs typeface="+mn-cs"/>
+              </a:rPr>
+              <a:t> or</a:t>
+            </a:r>
+            <a:r>
+              <a:rPr lang="en-IE" sz="1200" b="0" i="0" kern="1200" baseline="0" dirty="0" smtClean="0">
+                <a:solidFill>
+                  <a:schemeClr val="tx1"/>
+                </a:solidFill>
+                <a:effectLst/>
+                <a:latin typeface="+mn-lt"/>
+                <a:ea typeface="+mn-ea"/>
+                <a:cs typeface="+mn-cs"/>
+              </a:rPr>
+              <a:t> record type will always return null</a:t>
+            </a:r>
+          </a:p>
+          <a:p>
+            <a:r>
+              <a:rPr lang="en-IE" sz="1200" b="0" i="0" kern="1200" baseline="0" dirty="0" smtClean="0">
+                <a:solidFill>
+                  <a:schemeClr val="tx1"/>
+                </a:solidFill>
+                <a:effectLst/>
+                <a:latin typeface="+mn-lt"/>
+                <a:ea typeface="+mn-ea"/>
+                <a:cs typeface="+mn-cs"/>
+              </a:rPr>
+              <a:t>Add reference to </a:t>
+            </a:r>
+            <a:r>
+              <a:rPr lang="en-IE" sz="1200" b="0" i="0" kern="1200" baseline="0" dirty="0" err="1" smtClean="0">
+                <a:solidFill>
+                  <a:schemeClr val="tx1"/>
+                </a:solidFill>
+                <a:effectLst/>
+                <a:latin typeface="+mn-lt"/>
+                <a:ea typeface="+mn-ea"/>
+                <a:cs typeface="+mn-cs"/>
+              </a:rPr>
+              <a:t>newtonsoft</a:t>
+            </a:r>
+            <a:r>
+              <a:rPr lang="en-IE" sz="1200" b="0" i="0" kern="1200" baseline="0" dirty="0" smtClean="0">
+                <a:solidFill>
+                  <a:schemeClr val="tx1"/>
+                </a:solidFill>
+                <a:effectLst/>
+                <a:latin typeface="+mn-lt"/>
+                <a:ea typeface="+mn-ea"/>
+                <a:cs typeface="+mn-cs"/>
+              </a:rPr>
+              <a:t> 6.0.0 or greater</a:t>
+            </a:r>
+            <a:endParaRPr lang="en-IE" sz="1200" b="0" i="0" kern="1200" dirty="0" smtClean="0">
+              <a:solidFill>
+                <a:schemeClr val="tx1"/>
+              </a:solidFill>
+              <a:effectLst/>
+              <a:latin typeface="+mn-lt"/>
+              <a:ea typeface="+mn-ea"/>
+              <a:cs typeface="+mn-cs"/>
+            </a:endParaRPr>
+          </a:p>
+          <a:p>
+            <a:endParaRPr lang="en-IE" sz="1200" b="0" i="0" kern="1200" dirty="0">
+              <a:solidFill>
+                <a:schemeClr val="tx1"/>
+              </a:solidFill>
+              <a:effectLst/>
+              <a:latin typeface="+mn-lt"/>
+              <a:ea typeface="+mn-ea"/>
+              <a:cs typeface="+mn-cs"/>
+            </a:endParaRPr>
+          </a:p>
+        </p:txBody>
+      </p:sp>
+      <p:sp>
+        <p:nvSpPr>
+          <p:cNvPr id="4" name="Slide Number Placeholder 3"/>
+          <p:cNvSpPr>
+            <a:spLocks noGrp="1"/>
+          </p:cNvSpPr>
+          <p:nvPr>
+            <p:ph type="sldNum" sz="quarter" idx="10"/>
+          </p:nvPr>
+        </p:nvSpPr>
+        <p:spPr/>
+        <p:txBody>
+          <a:bodyPr/>
+          <a:lstStyle/>
+          <a:p>
+            <a:fld id="{2022762F-C6F4-4633-8DB5-2AFB51886017}" type="slidenum">
+              <a:rPr lang="en-IE" smtClean="0"/>
+              <a:t>12</a:t>
+            </a:fld>
+            <a:endParaRPr lang="en-IE"/>
+          </a:p>
+        </p:txBody>
+      </p:sp>
+    </p:spTree>
+    <p:extLst>
+      <p:ext uri="{BB962C8B-B14F-4D97-AF65-F5344CB8AC3E}">
+        <p14:creationId xmlns:p14="http://schemas.microsoft.com/office/powerpoint/2010/main" val="4161120171"/>
       </p:ext>
     </p:extLst>
   </p:cSld>
@@ -7230,6 +7423,189 @@
     <p:extLst>
       <p:ext uri="{BB962C8B-B14F-4D97-AF65-F5344CB8AC3E}">
         <p14:creationId xmlns:p14="http://schemas.microsoft.com/office/powerpoint/2010/main" val="821582607"/>
+      </p:ext>
+    </p:extLst>
+  </p:cSld>
+  <p:clrMapOvr>
+    <a:masterClrMapping/>
+  </p:clrMapOvr>
+</p:sld>
+</file>
+
+<file path=ppt/slides/slide12.xml><?xml version="1.0" encoding="utf-8"?>
+<p:sld xmlns:a="http://schemas.openxmlformats.org/drawingml/2006/main" xmlns:r="http://schemas.openxmlformats.org/officeDocument/2006/relationships" xmlns:p="http://schemas.openxmlformats.org/presentationml/2006/main">
+  <p:cSld>
+    <p:spTree>
+      <p:nvGrpSpPr>
+        <p:cNvPr id="1" name=""/>
+        <p:cNvGrpSpPr/>
+        <p:nvPr/>
+      </p:nvGrpSpPr>
+      <p:grpSpPr>
+        <a:xfrm>
+          <a:off x="0" y="0"/>
+          <a:ext cx="0" cy="0"/>
+          <a:chOff x="0" y="0"/>
+          <a:chExt cx="0" cy="0"/>
+        </a:xfrm>
+      </p:grpSpPr>
+      <p:sp>
+        <p:nvSpPr>
+          <p:cNvPr id="2" name="Title 1"/>
+          <p:cNvSpPr>
+            <a:spLocks noGrp="1"/>
+          </p:cNvSpPr>
+          <p:nvPr>
+            <p:ph type="title"/>
+          </p:nvPr>
+        </p:nvSpPr>
+        <p:spPr/>
+        <p:txBody>
+          <a:bodyPr>
+            <a:normAutofit/>
+          </a:bodyPr>
+          <a:lstStyle/>
+          <a:p>
+            <a:r>
+              <a:rPr lang="en-IE" dirty="0" smtClean="0"/>
+              <a:t>F# web api	</a:t>
+            </a:r>
+            <a:endParaRPr lang="en-IE" dirty="0"/>
+          </a:p>
+        </p:txBody>
+      </p:sp>
+      <p:sp>
+        <p:nvSpPr>
+          <p:cNvPr id="3" name="Content Placeholder 2"/>
+          <p:cNvSpPr>
+            <a:spLocks noGrp="1"/>
+          </p:cNvSpPr>
+          <p:nvPr>
+            <p:ph sz="quarter" idx="13"/>
+          </p:nvPr>
+        </p:nvSpPr>
+        <p:spPr/>
+        <p:txBody>
+          <a:bodyPr>
+            <a:normAutofit/>
+          </a:bodyPr>
+          <a:lstStyle/>
+          <a:p>
+            <a:r>
+              <a:rPr lang="en-IE" dirty="0" smtClean="0"/>
+              <a:t>Adding controllers</a:t>
+            </a:r>
+          </a:p>
+          <a:p>
+            <a:r>
+              <a:rPr lang="en-IE" dirty="0" smtClean="0"/>
+              <a:t>Returning record as json</a:t>
+            </a:r>
+          </a:p>
+          <a:p>
+            <a:endParaRPr lang="en-IE" dirty="0"/>
+          </a:p>
+        </p:txBody>
+      </p:sp>
+    </p:spTree>
+    <p:extLst>
+      <p:ext uri="{BB962C8B-B14F-4D97-AF65-F5344CB8AC3E}">
+        <p14:creationId xmlns:p14="http://schemas.microsoft.com/office/powerpoint/2010/main" val="2339900477"/>
+      </p:ext>
+    </p:extLst>
+  </p:cSld>
+  <p:clrMapOvr>
+    <a:masterClrMapping/>
+  </p:clrMapOvr>
+</p:sld>
+</file>
+
+<file path=ppt/slides/slide13.xml><?xml version="1.0" encoding="utf-8"?>
+<p:sld xmlns:a="http://schemas.openxmlformats.org/drawingml/2006/main" xmlns:r="http://schemas.openxmlformats.org/officeDocument/2006/relationships" xmlns:p="http://schemas.openxmlformats.org/presentationml/2006/main">
+  <p:cSld>
+    <p:spTree>
+      <p:nvGrpSpPr>
+        <p:cNvPr id="1" name=""/>
+        <p:cNvGrpSpPr/>
+        <p:nvPr/>
+      </p:nvGrpSpPr>
+      <p:grpSpPr>
+        <a:xfrm>
+          <a:off x="0" y="0"/>
+          <a:ext cx="0" cy="0"/>
+          <a:chOff x="0" y="0"/>
+          <a:chExt cx="0" cy="0"/>
+        </a:xfrm>
+      </p:grpSpPr>
+      <p:sp>
+        <p:nvSpPr>
+          <p:cNvPr id="2" name="Title 1"/>
+          <p:cNvSpPr>
+            <a:spLocks noGrp="1"/>
+          </p:cNvSpPr>
+          <p:nvPr>
+            <p:ph type="title"/>
+          </p:nvPr>
+        </p:nvSpPr>
+        <p:spPr/>
+        <p:txBody>
+          <a:bodyPr/>
+          <a:lstStyle/>
+          <a:p>
+            <a:r>
+              <a:rPr lang="en-IE" dirty="0" smtClean="0"/>
+              <a:t>Application demo</a:t>
+            </a:r>
+            <a:endParaRPr lang="en-IE" dirty="0"/>
+          </a:p>
+        </p:txBody>
+      </p:sp>
+      <p:sp>
+        <p:nvSpPr>
+          <p:cNvPr id="3" name="Content Placeholder 2"/>
+          <p:cNvSpPr>
+            <a:spLocks noGrp="1"/>
+          </p:cNvSpPr>
+          <p:nvPr>
+            <p:ph sz="quarter" idx="13"/>
+          </p:nvPr>
+        </p:nvSpPr>
+        <p:spPr/>
+        <p:txBody>
+          <a:bodyPr/>
+          <a:lstStyle/>
+          <a:p>
+            <a:r>
+              <a:rPr lang="en-IE" dirty="0" smtClean="0"/>
+              <a:t>WebSharper web application</a:t>
+            </a:r>
+          </a:p>
+          <a:p>
+            <a:r>
+              <a:rPr lang="en-IE" dirty="0" smtClean="0"/>
+              <a:t>F# web service</a:t>
+            </a:r>
+          </a:p>
+          <a:p>
+            <a:r>
+              <a:rPr lang="en-IE" dirty="0" smtClean="0"/>
+              <a:t>Web service selects, inserts and deletes data to a </a:t>
+            </a:r>
+            <a:r>
+              <a:rPr lang="en-IE" dirty="0" err="1" smtClean="0"/>
+              <a:t>posturesql</a:t>
+            </a:r>
+            <a:r>
+              <a:rPr lang="en-IE" dirty="0" smtClean="0"/>
+              <a:t> database</a:t>
+            </a:r>
+          </a:p>
+        </p:txBody>
+      </p:sp>
+    </p:spTree>
+    <p:extLst>
+      <p:ext uri="{BB962C8B-B14F-4D97-AF65-F5344CB8AC3E}">
+        <p14:creationId xmlns:p14="http://schemas.microsoft.com/office/powerpoint/2010/main" val="4029558360"/>
       </p:ext>
     </p:extLst>
   </p:cSld>
